--- a/implanty nfc.pptx
+++ b/implanty nfc.pptx
@@ -12,8 +12,8 @@
   </p:handoutMasterIdLst>
   <p:sldIdLst>
     <p:sldId id="256" r:id="rId2"/>
-    <p:sldId id="266" r:id="rId3"/>
-    <p:sldId id="265" r:id="rId4"/>
+    <p:sldId id="265" r:id="rId3"/>
+    <p:sldId id="266" r:id="rId4"/>
     <p:sldId id="269" r:id="rId5"/>
     <p:sldId id="264" r:id="rId6"/>
     <p:sldId id="267" r:id="rId7"/>
@@ -223,7 +223,7 @@
             <a:pPr rtl="0"/>
             <a:fld id="{B1686964-9390-465E-A7D5-E5D7739521CA}" type="datetime1">
               <a:rPr lang="pl-PL" smtClean="0"/>
-              <a:t>29.02.2024</a:t>
+              <a:t>14.03.2024</a:t>
             </a:fld>
             <a:endParaRPr lang="pl-PL" dirty="0"/>
           </a:p>
@@ -404,7 +404,7 @@
             <a:fld id="{D7FD9E54-11E3-4B93-9AB2-E42F7FAFAA38}" type="datetime1">
               <a:rPr lang="pl-PL" smtClean="0"/>
               <a:pPr/>
-              <a:t>29.02.2024</a:t>
+              <a:t>14.03.2024</a:t>
             </a:fld>
             <a:endParaRPr lang="pl-PL" dirty="0"/>
           </a:p>
@@ -1006,7 +1006,7 @@
             <a:pPr rtl="0"/>
             <a:fld id="{FA81B82B-791D-4CFB-A8E1-4BADF167624E}" type="datetime1">
               <a:rPr lang="pl-PL" noProof="0" smtClean="0"/>
-              <a:t>29.02.2024</a:t>
+              <a:t>14.03.2024</a:t>
             </a:fld>
             <a:endParaRPr lang="pl-PL" noProof="0"/>
           </a:p>
@@ -1271,7 +1271,7 @@
             <a:pPr rtl="0"/>
             <a:fld id="{2FCB417A-3777-45E5-A5D5-933568141085}" type="datetime1">
               <a:rPr lang="pl-PL" noProof="0" smtClean="0"/>
-              <a:t>29.02.2024</a:t>
+              <a:t>14.03.2024</a:t>
             </a:fld>
             <a:endParaRPr lang="pl-PL" noProof="0"/>
           </a:p>
@@ -1509,7 +1509,7 @@
             <a:pPr rtl="0"/>
             <a:fld id="{6BFE06EA-509D-4750-A26D-22649B15F5B4}" type="datetime1">
               <a:rPr lang="pl-PL" noProof="0" smtClean="0"/>
-              <a:t>29.02.2024</a:t>
+              <a:t>14.03.2024</a:t>
             </a:fld>
             <a:endParaRPr lang="pl-PL" noProof="0"/>
           </a:p>
@@ -1752,7 +1752,7 @@
             <a:pPr rtl="0"/>
             <a:fld id="{0B715C8D-5074-4DC0-B15D-7C1B83621BD0}" type="datetime1">
               <a:rPr lang="pl-PL" noProof="0" smtClean="0"/>
-              <a:t>29.02.2024</a:t>
+              <a:t>14.03.2024</a:t>
             </a:fld>
             <a:endParaRPr lang="pl-PL" noProof="0"/>
           </a:p>
@@ -2063,7 +2063,7 @@
             <a:pPr rtl="0"/>
             <a:fld id="{A15AB10B-D90B-495F-ADA2-9EEC8079FBC6}" type="datetime1">
               <a:rPr lang="pl-PL" noProof="0" smtClean="0"/>
-              <a:t>29.02.2024</a:t>
+              <a:t>14.03.2024</a:t>
             </a:fld>
             <a:endParaRPr lang="pl-PL" noProof="0"/>
           </a:p>
@@ -2367,7 +2367,7 @@
             <a:pPr rtl="0"/>
             <a:fld id="{07591F5B-A148-4026-992C-5103E9EE2B07}" type="datetime1">
               <a:rPr lang="pl-PL" noProof="0" smtClean="0"/>
-              <a:t>29.02.2024</a:t>
+              <a:t>14.03.2024</a:t>
             </a:fld>
             <a:endParaRPr lang="pl-PL" noProof="0"/>
           </a:p>
@@ -2791,7 +2791,7 @@
             <a:pPr rtl="0"/>
             <a:fld id="{BBEDF17A-70BC-472C-8A64-5A504543C1A7}" type="datetime1">
               <a:rPr lang="pl-PL" noProof="0" smtClean="0"/>
-              <a:t>29.02.2024</a:t>
+              <a:t>14.03.2024</a:t>
             </a:fld>
             <a:endParaRPr lang="pl-PL" noProof="0"/>
           </a:p>
@@ -2890,7 +2890,7 @@
             <a:pPr rtl="0"/>
             <a:fld id="{3A67F7BA-6159-441B-AF01-CBE7412A1E05}" type="datetime1">
               <a:rPr lang="pl-PL" noProof="0" smtClean="0"/>
-              <a:t>29.02.2024</a:t>
+              <a:t>14.03.2024</a:t>
             </a:fld>
             <a:endParaRPr lang="pl-PL" noProof="0"/>
           </a:p>
@@ -3056,7 +3056,7 @@
             <a:pPr rtl="0"/>
             <a:fld id="{F7F04AFA-1778-4013-BEAF-CC7AEB0F10D4}" type="datetime1">
               <a:rPr lang="pl-PL" noProof="0" smtClean="0"/>
-              <a:t>29.02.2024</a:t>
+              <a:t>14.03.2024</a:t>
             </a:fld>
             <a:endParaRPr lang="pl-PL" noProof="0"/>
           </a:p>
@@ -3437,7 +3437,7 @@
             <a:pPr rtl="0"/>
             <a:fld id="{A7951807-BBF7-4FEB-9550-16B76B21A86E}" type="datetime1">
               <a:rPr lang="pl-PL" noProof="0" smtClean="0"/>
-              <a:t>29.02.2024</a:t>
+              <a:t>14.03.2024</a:t>
             </a:fld>
             <a:endParaRPr lang="pl-PL" noProof="0"/>
           </a:p>
@@ -3730,7 +3730,7 @@
             <a:pPr rtl="0"/>
             <a:fld id="{B06525CE-B2F2-4EC8-972C-1EAA4989F9B6}" type="datetime1">
               <a:rPr lang="pl-PL" noProof="0" smtClean="0"/>
-              <a:t>29.02.2024</a:t>
+              <a:t>14.03.2024</a:t>
             </a:fld>
             <a:endParaRPr lang="pl-PL" noProof="0"/>
           </a:p>
@@ -3944,7 +3944,7 @@
             <a:pPr rtl="0"/>
             <a:fld id="{99F83561-EA2E-449A-85D2-EC48CC4A8B8B}" type="datetime1">
               <a:rPr lang="pl-PL" noProof="0" smtClean="0"/>
-              <a:t>29.02.2024</a:t>
+              <a:t>14.03.2024</a:t>
             </a:fld>
             <a:endParaRPr lang="pl-PL" noProof="0"/>
           </a:p>
@@ -5049,6 +5049,195 @@
           <p:cNvPr id="2" name="Tytuł 1">
             <a:extLst>
               <a:ext uri="{FF2B5EF4-FFF2-40B4-BE49-F238E27FC236}">
+                <a16:creationId xmlns:a16="http://schemas.microsoft.com/office/drawing/2014/main" id="{9DCFB52A-2C78-D10C-98FF-394497D48ABF}"/>
+              </a:ext>
+            </a:extLst>
+          </p:cNvPr>
+          <p:cNvSpPr>
+            <a:spLocks noGrp="1"/>
+          </p:cNvSpPr>
+          <p:nvPr>
+            <p:ph type="title"/>
+          </p:nvPr>
+        </p:nvSpPr>
+        <p:spPr>
+          <a:xfrm>
+            <a:off x="581193" y="729658"/>
+            <a:ext cx="11029616" cy="988332"/>
+          </a:xfrm>
+        </p:spPr>
+        <p:txBody>
+          <a:bodyPr anchor="b">
+            <a:normAutofit/>
+          </a:bodyPr>
+          <a:lstStyle/>
+          <a:p>
+            <a:r>
+              <a:rPr lang="pl-PL" dirty="0"/>
+              <a:t>Czym jest </a:t>
+            </a:r>
+            <a:r>
+              <a:rPr lang="pl-PL" dirty="0" err="1"/>
+              <a:t>Nfc</a:t>
+            </a:r>
+            <a:r>
+              <a:rPr lang="pl-PL" dirty="0"/>
+              <a:t>?</a:t>
+            </a:r>
+          </a:p>
+        </p:txBody>
+      </p:sp>
+      <p:pic>
+        <p:nvPicPr>
+          <p:cNvPr id="3076" name="Picture 4" descr="Nfc Icon Images – Browse 18,932 Stock Photos, Vectors, and Video | Adobe  Stock">
+            <a:extLst>
+              <a:ext uri="{FF2B5EF4-FFF2-40B4-BE49-F238E27FC236}">
+                <a16:creationId xmlns:a16="http://schemas.microsoft.com/office/drawing/2014/main" id="{5A86746E-AE99-1212-935E-76A0E74EBE5B}"/>
+              </a:ext>
+            </a:extLst>
+          </p:cNvPr>
+          <p:cNvPicPr>
+            <a:picLocks noChangeAspect="1" noChangeArrowheads="1"/>
+          </p:cNvPicPr>
+          <p:nvPr/>
+        </p:nvPicPr>
+        <p:blipFill>
+          <a:blip r:embed="rId2">
+            <a:extLst>
+              <a:ext uri="{28A0092B-C50C-407E-A947-70E740481C1C}">
+                <a14:useLocalDpi xmlns:a14="http://schemas.microsoft.com/office/drawing/2010/main" val="0"/>
+              </a:ext>
+            </a:extLst>
+          </a:blip>
+          <a:stretch>
+            <a:fillRect/>
+          </a:stretch>
+        </p:blipFill>
+        <p:spPr bwMode="auto">
+          <a:xfrm>
+            <a:off x="805908" y="2228003"/>
+            <a:ext cx="3633047" cy="3633047"/>
+          </a:xfrm>
+          <a:prstGeom prst="rect">
+            <a:avLst/>
+          </a:prstGeom>
+          <a:solidFill>
+            <a:srgbClr val="FFFFFF"/>
+          </a:solidFill>
+        </p:spPr>
+      </p:pic>
+      <p:sp>
+        <p:nvSpPr>
+          <p:cNvPr id="3081" name="Content Placeholder 3">
+            <a:extLst>
+              <a:ext uri="{FF2B5EF4-FFF2-40B4-BE49-F238E27FC236}">
+                <a16:creationId xmlns:a16="http://schemas.microsoft.com/office/drawing/2014/main" id="{E1156ABB-5E0C-AB1A-3899-699945625E92}"/>
+              </a:ext>
+            </a:extLst>
+          </p:cNvPr>
+          <p:cNvSpPr>
+            <a:spLocks noGrp="1"/>
+          </p:cNvSpPr>
+          <p:nvPr>
+            <p:ph sz="half" idx="2"/>
+          </p:nvPr>
+        </p:nvSpPr>
+        <p:spPr>
+          <a:xfrm>
+            <a:off x="6188417" y="2228003"/>
+            <a:ext cx="5422392" cy="3633047"/>
+          </a:xfrm>
+        </p:spPr>
+        <p:txBody>
+          <a:bodyPr/>
+          <a:lstStyle/>
+          <a:p>
+            <a:endParaRPr lang="en-US"/>
+          </a:p>
+        </p:txBody>
+      </p:sp>
+      <p:pic>
+        <p:nvPicPr>
+          <p:cNvPr id="1026" name="Picture 2" descr="NFC - co to jest? Jak działa? Jak włączyć NFC w telefonie?">
+            <a:extLst>
+              <a:ext uri="{FF2B5EF4-FFF2-40B4-BE49-F238E27FC236}">
+                <a16:creationId xmlns:a16="http://schemas.microsoft.com/office/drawing/2014/main" id="{5D8AF992-4277-A40F-75E7-E4873E698243}"/>
+              </a:ext>
+            </a:extLst>
+          </p:cNvPr>
+          <p:cNvPicPr>
+            <a:picLocks noChangeAspect="1" noChangeArrowheads="1"/>
+          </p:cNvPicPr>
+          <p:nvPr/>
+        </p:nvPicPr>
+        <p:blipFill>
+          <a:blip r:embed="rId3">
+            <a:extLst>
+              <a:ext uri="{28A0092B-C50C-407E-A947-70E740481C1C}">
+                <a14:useLocalDpi xmlns:a14="http://schemas.microsoft.com/office/drawing/2010/main" val="0"/>
+              </a:ext>
+            </a:extLst>
+          </a:blip>
+          <a:srcRect/>
+          <a:stretch>
+            <a:fillRect/>
+          </a:stretch>
+        </p:blipFill>
+        <p:spPr bwMode="auto">
+          <a:xfrm>
+            <a:off x="4823351" y="2228003"/>
+            <a:ext cx="6787458" cy="3773827"/>
+          </a:xfrm>
+          <a:prstGeom prst="rect">
+            <a:avLst/>
+          </a:prstGeom>
+          <a:noFill/>
+          <a:extLst>
+            <a:ext uri="{909E8E84-426E-40DD-AFC4-6F175D3DCCD1}">
+              <a14:hiddenFill xmlns:a14="http://schemas.microsoft.com/office/drawing/2010/main">
+                <a:solidFill>
+                  <a:srgbClr val="FFFFFF"/>
+                </a:solidFill>
+              </a14:hiddenFill>
+            </a:ext>
+          </a:extLst>
+        </p:spPr>
+      </p:pic>
+    </p:spTree>
+    <p:extLst>
+      <p:ext uri="{BB962C8B-B14F-4D97-AF65-F5344CB8AC3E}">
+        <p14:creationId xmlns:p14="http://schemas.microsoft.com/office/powerpoint/2010/main" val="2466592890"/>
+      </p:ext>
+    </p:extLst>
+  </p:cSld>
+  <p:clrMapOvr>
+    <a:masterClrMapping/>
+  </p:clrMapOvr>
+</p:sld>
+</file>
+
+<file path=ppt/slides/slide3.xml><?xml version="1.0" encoding="utf-8"?>
+<p:sld xmlns:a="http://schemas.openxmlformats.org/drawingml/2006/main" xmlns:r="http://schemas.openxmlformats.org/officeDocument/2006/relationships" xmlns:p="http://schemas.openxmlformats.org/presentationml/2006/main">
+  <p:cSld>
+    <p:spTree>
+      <p:nvGrpSpPr>
+        <p:cNvPr id="1" name=""/>
+        <p:cNvGrpSpPr/>
+        <p:nvPr/>
+      </p:nvGrpSpPr>
+      <p:grpSpPr>
+        <a:xfrm>
+          <a:off x="0" y="0"/>
+          <a:ext cx="0" cy="0"/>
+          <a:chOff x="0" y="0"/>
+          <a:chExt cx="0" cy="0"/>
+        </a:xfrm>
+      </p:grpSpPr>
+      <p:sp>
+        <p:nvSpPr>
+          <p:cNvPr id="2" name="Tytuł 1">
+            <a:extLst>
+              <a:ext uri="{FF2B5EF4-FFF2-40B4-BE49-F238E27FC236}">
                 <a16:creationId xmlns:a16="http://schemas.microsoft.com/office/drawing/2014/main" id="{2A5EAD63-1457-A1B4-14F7-368245A8CA3D}"/>
               </a:ext>
             </a:extLst>
@@ -5266,195 +5455,6 @@
     <p:extLst>
       <p:ext uri="{BB962C8B-B14F-4D97-AF65-F5344CB8AC3E}">
         <p14:creationId xmlns:p14="http://schemas.microsoft.com/office/powerpoint/2010/main" val="1352534171"/>
-      </p:ext>
-    </p:extLst>
-  </p:cSld>
-  <p:clrMapOvr>
-    <a:masterClrMapping/>
-  </p:clrMapOvr>
-</p:sld>
-</file>
-
-<file path=ppt/slides/slide3.xml><?xml version="1.0" encoding="utf-8"?>
-<p:sld xmlns:a="http://schemas.openxmlformats.org/drawingml/2006/main" xmlns:r="http://schemas.openxmlformats.org/officeDocument/2006/relationships" xmlns:p="http://schemas.openxmlformats.org/presentationml/2006/main">
-  <p:cSld>
-    <p:spTree>
-      <p:nvGrpSpPr>
-        <p:cNvPr id="1" name=""/>
-        <p:cNvGrpSpPr/>
-        <p:nvPr/>
-      </p:nvGrpSpPr>
-      <p:grpSpPr>
-        <a:xfrm>
-          <a:off x="0" y="0"/>
-          <a:ext cx="0" cy="0"/>
-          <a:chOff x="0" y="0"/>
-          <a:chExt cx="0" cy="0"/>
-        </a:xfrm>
-      </p:grpSpPr>
-      <p:sp>
-        <p:nvSpPr>
-          <p:cNvPr id="2" name="Tytuł 1">
-            <a:extLst>
-              <a:ext uri="{FF2B5EF4-FFF2-40B4-BE49-F238E27FC236}">
-                <a16:creationId xmlns:a16="http://schemas.microsoft.com/office/drawing/2014/main" id="{9DCFB52A-2C78-D10C-98FF-394497D48ABF}"/>
-              </a:ext>
-            </a:extLst>
-          </p:cNvPr>
-          <p:cNvSpPr>
-            <a:spLocks noGrp="1"/>
-          </p:cNvSpPr>
-          <p:nvPr>
-            <p:ph type="title"/>
-          </p:nvPr>
-        </p:nvSpPr>
-        <p:spPr>
-          <a:xfrm>
-            <a:off x="581193" y="729658"/>
-            <a:ext cx="11029616" cy="988332"/>
-          </a:xfrm>
-        </p:spPr>
-        <p:txBody>
-          <a:bodyPr anchor="b">
-            <a:normAutofit/>
-          </a:bodyPr>
-          <a:lstStyle/>
-          <a:p>
-            <a:r>
-              <a:rPr lang="pl-PL" dirty="0"/>
-              <a:t>Czym jest </a:t>
-            </a:r>
-            <a:r>
-              <a:rPr lang="pl-PL" dirty="0" err="1"/>
-              <a:t>Nfc</a:t>
-            </a:r>
-            <a:r>
-              <a:rPr lang="pl-PL" dirty="0"/>
-              <a:t>?</a:t>
-            </a:r>
-          </a:p>
-        </p:txBody>
-      </p:sp>
-      <p:pic>
-        <p:nvPicPr>
-          <p:cNvPr id="3076" name="Picture 4" descr="Nfc Icon Images – Browse 18,932 Stock Photos, Vectors, and Video | Adobe  Stock">
-            <a:extLst>
-              <a:ext uri="{FF2B5EF4-FFF2-40B4-BE49-F238E27FC236}">
-                <a16:creationId xmlns:a16="http://schemas.microsoft.com/office/drawing/2014/main" id="{5A86746E-AE99-1212-935E-76A0E74EBE5B}"/>
-              </a:ext>
-            </a:extLst>
-          </p:cNvPr>
-          <p:cNvPicPr>
-            <a:picLocks noChangeAspect="1" noChangeArrowheads="1"/>
-          </p:cNvPicPr>
-          <p:nvPr/>
-        </p:nvPicPr>
-        <p:blipFill>
-          <a:blip r:embed="rId2">
-            <a:extLst>
-              <a:ext uri="{28A0092B-C50C-407E-A947-70E740481C1C}">
-                <a14:useLocalDpi xmlns:a14="http://schemas.microsoft.com/office/drawing/2010/main" val="0"/>
-              </a:ext>
-            </a:extLst>
-          </a:blip>
-          <a:stretch>
-            <a:fillRect/>
-          </a:stretch>
-        </p:blipFill>
-        <p:spPr bwMode="auto">
-          <a:xfrm>
-            <a:off x="805908" y="2228003"/>
-            <a:ext cx="3633047" cy="3633047"/>
-          </a:xfrm>
-          <a:prstGeom prst="rect">
-            <a:avLst/>
-          </a:prstGeom>
-          <a:solidFill>
-            <a:srgbClr val="FFFFFF"/>
-          </a:solidFill>
-        </p:spPr>
-      </p:pic>
-      <p:sp>
-        <p:nvSpPr>
-          <p:cNvPr id="3081" name="Content Placeholder 3">
-            <a:extLst>
-              <a:ext uri="{FF2B5EF4-FFF2-40B4-BE49-F238E27FC236}">
-                <a16:creationId xmlns:a16="http://schemas.microsoft.com/office/drawing/2014/main" id="{E1156ABB-5E0C-AB1A-3899-699945625E92}"/>
-              </a:ext>
-            </a:extLst>
-          </p:cNvPr>
-          <p:cNvSpPr>
-            <a:spLocks noGrp="1"/>
-          </p:cNvSpPr>
-          <p:nvPr>
-            <p:ph sz="half" idx="2"/>
-          </p:nvPr>
-        </p:nvSpPr>
-        <p:spPr>
-          <a:xfrm>
-            <a:off x="6188417" y="2228003"/>
-            <a:ext cx="5422392" cy="3633047"/>
-          </a:xfrm>
-        </p:spPr>
-        <p:txBody>
-          <a:bodyPr/>
-          <a:lstStyle/>
-          <a:p>
-            <a:endParaRPr lang="en-US"/>
-          </a:p>
-        </p:txBody>
-      </p:sp>
-      <p:pic>
-        <p:nvPicPr>
-          <p:cNvPr id="1026" name="Picture 2" descr="NFC - co to jest? Jak działa? Jak włączyć NFC w telefonie?">
-            <a:extLst>
-              <a:ext uri="{FF2B5EF4-FFF2-40B4-BE49-F238E27FC236}">
-                <a16:creationId xmlns:a16="http://schemas.microsoft.com/office/drawing/2014/main" id="{5D8AF992-4277-A40F-75E7-E4873E698243}"/>
-              </a:ext>
-            </a:extLst>
-          </p:cNvPr>
-          <p:cNvPicPr>
-            <a:picLocks noChangeAspect="1" noChangeArrowheads="1"/>
-          </p:cNvPicPr>
-          <p:nvPr/>
-        </p:nvPicPr>
-        <p:blipFill>
-          <a:blip r:embed="rId3">
-            <a:extLst>
-              <a:ext uri="{28A0092B-C50C-407E-A947-70E740481C1C}">
-                <a14:useLocalDpi xmlns:a14="http://schemas.microsoft.com/office/drawing/2010/main" val="0"/>
-              </a:ext>
-            </a:extLst>
-          </a:blip>
-          <a:srcRect/>
-          <a:stretch>
-            <a:fillRect/>
-          </a:stretch>
-        </p:blipFill>
-        <p:spPr bwMode="auto">
-          <a:xfrm>
-            <a:off x="4823351" y="2228003"/>
-            <a:ext cx="6787458" cy="3773827"/>
-          </a:xfrm>
-          <a:prstGeom prst="rect">
-            <a:avLst/>
-          </a:prstGeom>
-          <a:noFill/>
-          <a:extLst>
-            <a:ext uri="{909E8E84-426E-40DD-AFC4-6F175D3DCCD1}">
-              <a14:hiddenFill xmlns:a14="http://schemas.microsoft.com/office/drawing/2010/main">
-                <a:solidFill>
-                  <a:srgbClr val="FFFFFF"/>
-                </a:solidFill>
-              </a14:hiddenFill>
-            </a:ext>
-          </a:extLst>
-        </p:spPr>
-      </p:pic>
-    </p:spTree>
-    <p:extLst>
-      <p:ext uri="{BB962C8B-B14F-4D97-AF65-F5344CB8AC3E}">
-        <p14:creationId xmlns:p14="http://schemas.microsoft.com/office/powerpoint/2010/main" val="2466592890"/>
       </p:ext>
     </p:extLst>
   </p:cSld>
@@ -5739,7 +5739,7 @@
           <a:p>
             <a:r>
               <a:rPr lang="pl-PL" dirty="0"/>
-              <a:t>Jak wygląda?</a:t>
+              <a:t>Budowa</a:t>
             </a:r>
           </a:p>
         </p:txBody>
@@ -6054,15 +6054,6 @@
           <a:solidFill>
             <a:srgbClr val="FFFFFF"/>
           </a:solidFill>
-          <a:extLst>
-            <a:ext uri="{909E8E84-426E-40DD-AFC4-6F175D3DCCD1}">
-              <a14:hiddenFill xmlns:a14="http://schemas.microsoft.com/office/drawing/2010/main">
-                <a:solidFill>
-                  <a:srgbClr val="FFFFFF"/>
-                </a:solidFill>
-              </a14:hiddenFill>
-            </a:ext>
-          </a:extLst>
         </p:spPr>
       </p:pic>
       <p:sp>

--- a/implanty nfc.pptx
+++ b/implanty nfc.pptx
@@ -223,7 +223,7 @@
             <a:pPr rtl="0"/>
             <a:fld id="{B1686964-9390-465E-A7D5-E5D7739521CA}" type="datetime1">
               <a:rPr lang="pl-PL" smtClean="0"/>
-              <a:t>14.03.2024</a:t>
+              <a:t>15.03.2024</a:t>
             </a:fld>
             <a:endParaRPr lang="pl-PL" dirty="0"/>
           </a:p>
@@ -404,7 +404,7 @@
             <a:fld id="{D7FD9E54-11E3-4B93-9AB2-E42F7FAFAA38}" type="datetime1">
               <a:rPr lang="pl-PL" smtClean="0"/>
               <a:pPr/>
-              <a:t>14.03.2024</a:t>
+              <a:t>15.03.2024</a:t>
             </a:fld>
             <a:endParaRPr lang="pl-PL" dirty="0"/>
           </a:p>
@@ -1006,7 +1006,7 @@
             <a:pPr rtl="0"/>
             <a:fld id="{FA81B82B-791D-4CFB-A8E1-4BADF167624E}" type="datetime1">
               <a:rPr lang="pl-PL" noProof="0" smtClean="0"/>
-              <a:t>14.03.2024</a:t>
+              <a:t>15.03.2024</a:t>
             </a:fld>
             <a:endParaRPr lang="pl-PL" noProof="0"/>
           </a:p>
@@ -1271,7 +1271,7 @@
             <a:pPr rtl="0"/>
             <a:fld id="{2FCB417A-3777-45E5-A5D5-933568141085}" type="datetime1">
               <a:rPr lang="pl-PL" noProof="0" smtClean="0"/>
-              <a:t>14.03.2024</a:t>
+              <a:t>15.03.2024</a:t>
             </a:fld>
             <a:endParaRPr lang="pl-PL" noProof="0"/>
           </a:p>
@@ -1509,7 +1509,7 @@
             <a:pPr rtl="0"/>
             <a:fld id="{6BFE06EA-509D-4750-A26D-22649B15F5B4}" type="datetime1">
               <a:rPr lang="pl-PL" noProof="0" smtClean="0"/>
-              <a:t>14.03.2024</a:t>
+              <a:t>15.03.2024</a:t>
             </a:fld>
             <a:endParaRPr lang="pl-PL" noProof="0"/>
           </a:p>
@@ -1752,7 +1752,7 @@
             <a:pPr rtl="0"/>
             <a:fld id="{0B715C8D-5074-4DC0-B15D-7C1B83621BD0}" type="datetime1">
               <a:rPr lang="pl-PL" noProof="0" smtClean="0"/>
-              <a:t>14.03.2024</a:t>
+              <a:t>15.03.2024</a:t>
             </a:fld>
             <a:endParaRPr lang="pl-PL" noProof="0"/>
           </a:p>
@@ -2063,7 +2063,7 @@
             <a:pPr rtl="0"/>
             <a:fld id="{A15AB10B-D90B-495F-ADA2-9EEC8079FBC6}" type="datetime1">
               <a:rPr lang="pl-PL" noProof="0" smtClean="0"/>
-              <a:t>14.03.2024</a:t>
+              <a:t>15.03.2024</a:t>
             </a:fld>
             <a:endParaRPr lang="pl-PL" noProof="0"/>
           </a:p>
@@ -2367,7 +2367,7 @@
             <a:pPr rtl="0"/>
             <a:fld id="{07591F5B-A148-4026-992C-5103E9EE2B07}" type="datetime1">
               <a:rPr lang="pl-PL" noProof="0" smtClean="0"/>
-              <a:t>14.03.2024</a:t>
+              <a:t>15.03.2024</a:t>
             </a:fld>
             <a:endParaRPr lang="pl-PL" noProof="0"/>
           </a:p>
@@ -2791,7 +2791,7 @@
             <a:pPr rtl="0"/>
             <a:fld id="{BBEDF17A-70BC-472C-8A64-5A504543C1A7}" type="datetime1">
               <a:rPr lang="pl-PL" noProof="0" smtClean="0"/>
-              <a:t>14.03.2024</a:t>
+              <a:t>15.03.2024</a:t>
             </a:fld>
             <a:endParaRPr lang="pl-PL" noProof="0"/>
           </a:p>
@@ -2890,7 +2890,7 @@
             <a:pPr rtl="0"/>
             <a:fld id="{3A67F7BA-6159-441B-AF01-CBE7412A1E05}" type="datetime1">
               <a:rPr lang="pl-PL" noProof="0" smtClean="0"/>
-              <a:t>14.03.2024</a:t>
+              <a:t>15.03.2024</a:t>
             </a:fld>
             <a:endParaRPr lang="pl-PL" noProof="0"/>
           </a:p>
@@ -3056,7 +3056,7 @@
             <a:pPr rtl="0"/>
             <a:fld id="{F7F04AFA-1778-4013-BEAF-CC7AEB0F10D4}" type="datetime1">
               <a:rPr lang="pl-PL" noProof="0" smtClean="0"/>
-              <a:t>14.03.2024</a:t>
+              <a:t>15.03.2024</a:t>
             </a:fld>
             <a:endParaRPr lang="pl-PL" noProof="0"/>
           </a:p>
@@ -3437,7 +3437,7 @@
             <a:pPr rtl="0"/>
             <a:fld id="{A7951807-BBF7-4FEB-9550-16B76B21A86E}" type="datetime1">
               <a:rPr lang="pl-PL" noProof="0" smtClean="0"/>
-              <a:t>14.03.2024</a:t>
+              <a:t>15.03.2024</a:t>
             </a:fld>
             <a:endParaRPr lang="pl-PL" noProof="0"/>
           </a:p>
@@ -3730,7 +3730,7 @@
             <a:pPr rtl="0"/>
             <a:fld id="{B06525CE-B2F2-4EC8-972C-1EAA4989F9B6}" type="datetime1">
               <a:rPr lang="pl-PL" noProof="0" smtClean="0"/>
-              <a:t>14.03.2024</a:t>
+              <a:t>15.03.2024</a:t>
             </a:fld>
             <a:endParaRPr lang="pl-PL" noProof="0"/>
           </a:p>
@@ -3944,7 +3944,7 @@
             <a:pPr rtl="0"/>
             <a:fld id="{99F83561-EA2E-449A-85D2-EC48CC4A8B8B}" type="datetime1">
               <a:rPr lang="pl-PL" noProof="0" smtClean="0"/>
-              <a:t>14.03.2024</a:t>
+              <a:t>15.03.2024</a:t>
             </a:fld>
             <a:endParaRPr lang="pl-PL" noProof="0"/>
           </a:p>
@@ -5746,53 +5746,6 @@
       </p:sp>
       <p:pic>
         <p:nvPicPr>
-          <p:cNvPr id="1026" name="Picture 2" descr="I got a computer chip implanted into my hand. Here's how it went ...">
-            <a:extLst>
-              <a:ext uri="{FF2B5EF4-FFF2-40B4-BE49-F238E27FC236}">
-                <a16:creationId xmlns:a16="http://schemas.microsoft.com/office/drawing/2014/main" id="{C358DFA2-44BD-53A7-A62E-24D86D7600B5}"/>
-              </a:ext>
-            </a:extLst>
-          </p:cNvPr>
-          <p:cNvPicPr>
-            <a:picLocks noChangeAspect="1" noChangeArrowheads="1"/>
-          </p:cNvPicPr>
-          <p:nvPr/>
-        </p:nvPicPr>
-        <p:blipFill>
-          <a:blip r:embed="rId2">
-            <a:extLst>
-              <a:ext uri="{28A0092B-C50C-407E-A947-70E740481C1C}">
-                <a14:useLocalDpi xmlns:a14="http://schemas.microsoft.com/office/drawing/2010/main" val="0"/>
-              </a:ext>
-            </a:extLst>
-          </a:blip>
-          <a:srcRect/>
-          <a:stretch>
-            <a:fillRect/>
-          </a:stretch>
-        </p:blipFill>
-        <p:spPr bwMode="auto">
-          <a:xfrm>
-            <a:off x="460162" y="2218100"/>
-            <a:ext cx="5947731" cy="3965154"/>
-          </a:xfrm>
-          <a:prstGeom prst="rect">
-            <a:avLst/>
-          </a:prstGeom>
-          <a:noFill/>
-          <a:extLst>
-            <a:ext uri="{909E8E84-426E-40DD-AFC4-6F175D3DCCD1}">
-              <a14:hiddenFill xmlns:a14="http://schemas.microsoft.com/office/drawing/2010/main">
-                <a:solidFill>
-                  <a:srgbClr val="FFFFFF"/>
-                </a:solidFill>
-              </a14:hiddenFill>
-            </a:ext>
-          </a:extLst>
-        </p:spPr>
-      </p:pic>
-      <p:pic>
-        <p:nvPicPr>
           <p:cNvPr id="11" name="Obraz 10">
             <a:extLst>
               <a:ext uri="{FF2B5EF4-FFF2-40B4-BE49-F238E27FC236}">
@@ -5806,14 +5759,14 @@
           <p:nvPr/>
         </p:nvPicPr>
         <p:blipFill>
-          <a:blip r:embed="rId3"/>
+          <a:blip r:embed="rId2"/>
           <a:stretch>
             <a:fillRect/>
           </a:stretch>
         </p:blipFill>
         <p:spPr>
           <a:xfrm>
-            <a:off x="7234268" y="2218100"/>
+            <a:off x="1132233" y="2652666"/>
             <a:ext cx="4497570" cy="3875892"/>
           </a:xfrm>
           <a:prstGeom prst="rect">
@@ -5886,41 +5839,6 @@
           </a:p>
         </p:txBody>
       </p:sp>
-      <p:sp>
-        <p:nvSpPr>
-          <p:cNvPr id="10" name="Content Placeholder 3">
-            <a:extLst>
-              <a:ext uri="{FF2B5EF4-FFF2-40B4-BE49-F238E27FC236}">
-                <a16:creationId xmlns:a16="http://schemas.microsoft.com/office/drawing/2014/main" id="{9A2D7FAF-3A59-A24A-A495-9F21714E9BF2}"/>
-              </a:ext>
-            </a:extLst>
-          </p:cNvPr>
-          <p:cNvSpPr>
-            <a:spLocks noGrp="1"/>
-          </p:cNvSpPr>
-          <p:nvPr>
-            <p:ph sz="half" idx="1"/>
-          </p:nvPr>
-        </p:nvSpPr>
-        <p:spPr>
-          <a:xfrm>
-            <a:off x="581193" y="2228003"/>
-            <a:ext cx="5422390" cy="3633047"/>
-          </a:xfrm>
-        </p:spPr>
-        <p:txBody>
-          <a:bodyPr anchor="ctr">
-            <a:normAutofit/>
-          </a:bodyPr>
-          <a:lstStyle/>
-          <a:p>
-            <a:pPr marL="0" indent="0">
-              <a:buNone/>
-            </a:pPr>
-            <a:endParaRPr lang="en-US" dirty="0"/>
-          </a:p>
-        </p:txBody>
-      </p:sp>
       <p:pic>
         <p:nvPicPr>
           <p:cNvPr id="5" name="Obraz 4">
@@ -5950,6 +5868,55 @@
             <a:avLst/>
           </a:prstGeom>
           <a:noFill/>
+        </p:spPr>
+      </p:pic>
+      <p:pic>
+        <p:nvPicPr>
+          <p:cNvPr id="1026" name="Picture 2">
+            <a:extLst>
+              <a:ext uri="{FF2B5EF4-FFF2-40B4-BE49-F238E27FC236}">
+                <a16:creationId xmlns:a16="http://schemas.microsoft.com/office/drawing/2014/main" id="{C358DFA2-44BD-53A7-A62E-24D86D7600B5}"/>
+              </a:ext>
+            </a:extLst>
+          </p:cNvPr>
+          <p:cNvPicPr>
+            <a:picLocks noGrp="1" noChangeAspect="1" noChangeArrowheads="1"/>
+          </p:cNvPicPr>
+          <p:nvPr>
+            <p:ph sz="half" idx="1"/>
+          </p:nvPr>
+        </p:nvPicPr>
+        <p:blipFill>
+          <a:blip r:embed="rId3">
+            <a:extLst>
+              <a:ext uri="{28A0092B-C50C-407E-A947-70E740481C1C}">
+                <a14:useLocalDpi xmlns:a14="http://schemas.microsoft.com/office/drawing/2010/main" val="0"/>
+              </a:ext>
+            </a:extLst>
+          </a:blip>
+          <a:srcRect/>
+          <a:stretch>
+            <a:fillRect/>
+          </a:stretch>
+        </p:blipFill>
+        <p:spPr bwMode="auto">
+          <a:xfrm>
+            <a:off x="581025" y="2236523"/>
+            <a:ext cx="5422900" cy="3615266"/>
+          </a:xfrm>
+          <a:prstGeom prst="rect">
+            <a:avLst/>
+          </a:prstGeom>
+          <a:noFill/>
+          <a:extLst>
+            <a:ext uri="{909E8E84-426E-40DD-AFC4-6F175D3DCCD1}">
+              <a14:hiddenFill xmlns:a14="http://schemas.microsoft.com/office/drawing/2010/main">
+                <a:solidFill>
+                  <a:srgbClr val="FFFFFF"/>
+                </a:solidFill>
+              </a14:hiddenFill>
+            </a:ext>
+          </a:extLst>
         </p:spPr>
       </p:pic>
     </p:spTree>
